--- a/Print/lesson_61_python.pptx
+++ b/Print/lesson_61_python.pptx
@@ -6260,8 +6260,8 @@
         </p:nvSpPr>
         <p:spPr>
           <a:xfrm>
-            <a:off x="5582588" y="1376623"/>
-            <a:ext cx="3007184" cy="2103025"/>
+            <a:off x="5582587" y="1376623"/>
+            <a:ext cx="3007185" cy="2103025"/>
           </a:xfrm>
           <a:prstGeom prst="rect">
             <a:avLst/>
@@ -6840,8 +6840,8 @@
       </p:par>
     </p:tnLst>
     <p:bldLst>
+      <p:bldP build="p" bldLvl="5" animBg="1" rev="0" advAuto="0" spid="164" grpId="1"/>
       <p:bldP build="p" bldLvl="5" animBg="1" rev="0" advAuto="0" spid="167" grpId="2"/>
-      <p:bldP build="p" bldLvl="5" animBg="1" rev="0" advAuto="0" spid="164" grpId="1"/>
     </p:bldLst>
   </p:timing>
 </p:sld>
@@ -6969,7 +6969,7 @@
         <p:spPr>
           <a:xfrm>
             <a:off x="6715087" y="3649444"/>
-            <a:ext cx="2313385" cy="298984"/>
+            <a:ext cx="2313386" cy="298984"/>
           </a:xfrm>
           <a:prstGeom prst="roundRect">
             <a:avLst>
@@ -7034,8 +7034,8 @@
           </p:blipFill>
           <p:spPr>
             <a:xfrm>
-              <a:off x="6350" y="0"/>
-              <a:ext cx="2019469" cy="1975247"/>
+              <a:off x="6349" y="0"/>
+              <a:ext cx="2019470" cy="1975247"/>
             </a:xfrm>
             <a:prstGeom prst="rect">
               <a:avLst/>
